--- a/apresentacoes/Aula-1/Video2-ApresentaçãoDoCurso/video2.pptx
+++ b/apresentacoes/Aula-1/Video2-ApresentaçãoDoCurso/video2.pptx
@@ -293,7 +293,7 @@
       </p15:sldGuideLst>
     </p:ext>
     <p:ext uri="http://customooxmlschemas.google.com/">
-      <go:slidesCustomData xmlns="" xmlns:mc="http://schemas.openxmlformats.org/markup-compatibility/2006" xmlns:mv="urn:schemas-microsoft-com:mac:vml" xmlns:c="http://schemas.openxmlformats.org/drawingml/2006/chart" xmlns:dgm="http://schemas.openxmlformats.org/drawingml/2006/diagram" xmlns:o="urn:schemas-microsoft-com:office:office" xmlns:v="urn:schemas-microsoft-com:vml" xmlns:pvml="urn:schemas-microsoft-com:office:powerpoint" xmlns:com="http://schemas.openxmlformats.org/drawingml/2006/compatibility" xmlns:p14="http://schemas.microsoft.com/office/powerpoint/2010/main" xmlns:p15="http://schemas.microsoft.com/office/powerpoint/2012/main" xmlns:ahyp="http://schemas.microsoft.com/office/drawing/2018/hyperlinkcolor" xmlns:go="http://customooxmlschemas.google.com/" r:id="rId34" roundtripDataSignature="AMtx7mij1fsZUe5V3lBG5qQcqOvrI5UhJw=="/>
+      <go:slidesCustomData xmlns:go="http://customooxmlschemas.google.com/" xmlns:ahyp="http://schemas.microsoft.com/office/drawing/2018/hyperlinkcolor" xmlns:p15="http://schemas.microsoft.com/office/powerpoint/2012/main" xmlns:p14="http://schemas.microsoft.com/office/powerpoint/2010/main" xmlns:com="http://schemas.openxmlformats.org/drawingml/2006/compatibility" xmlns:pvml="urn:schemas-microsoft-com:office:powerpoint" xmlns:v="urn:schemas-microsoft-com:vml" xmlns:o="urn:schemas-microsoft-com:office:office" xmlns:dgm="http://schemas.openxmlformats.org/drawingml/2006/diagram" xmlns:c="http://schemas.openxmlformats.org/drawingml/2006/chart" xmlns:mv="urn:schemas-microsoft-com:mac:vml" xmlns:mc="http://schemas.openxmlformats.org/markup-compatibility/2006" xmlns="" r:id="rId34" roundtripDataSignature="AMtx7mij1fsZUe5V3lBG5qQcqOvrI5UhJw=="/>
     </p:ext>
   </p:extLst>
 </p:presentation>
@@ -21732,7 +21732,7 @@
         <p:fade/>
       </p:transition>
     </mc:Choice>
-    <mc:Fallback xmlns="" xmlns:mv="urn:schemas-microsoft-com:mac:vml" xmlns:c="http://schemas.openxmlformats.org/drawingml/2006/chart" xmlns:dgm="http://schemas.openxmlformats.org/drawingml/2006/diagram" xmlns:o="urn:schemas-microsoft-com:office:office" xmlns:v="urn:schemas-microsoft-com:vml" xmlns:pvml="urn:schemas-microsoft-com:office:powerpoint" xmlns:com="http://schemas.openxmlformats.org/drawingml/2006/compatibility" xmlns:p15="http://schemas.microsoft.com/office/powerpoint/2012/main" xmlns:ahyp="http://schemas.microsoft.com/office/drawing/2018/hyperlinkcolor">
+    <mc:Fallback xmlns:ahyp="http://schemas.microsoft.com/office/drawing/2018/hyperlinkcolor" xmlns:p15="http://schemas.microsoft.com/office/powerpoint/2012/main" xmlns:com="http://schemas.openxmlformats.org/drawingml/2006/compatibility" xmlns:pvml="urn:schemas-microsoft-com:office:powerpoint" xmlns:v="urn:schemas-microsoft-com:vml" xmlns:o="urn:schemas-microsoft-com:office:office" xmlns:dgm="http://schemas.openxmlformats.org/drawingml/2006/diagram" xmlns:c="http://schemas.openxmlformats.org/drawingml/2006/chart" xmlns:mv="urn:schemas-microsoft-com:mac:vml" xmlns="">
       <p:transition spd="slow">
         <p:fade/>
       </p:transition>
@@ -22190,7 +22190,7 @@
         <p:fade/>
       </p:transition>
     </mc:Choice>
-    <mc:Fallback xmlns="" xmlns:mv="urn:schemas-microsoft-com:mac:vml" xmlns:c="http://schemas.openxmlformats.org/drawingml/2006/chart" xmlns:dgm="http://schemas.openxmlformats.org/drawingml/2006/diagram" xmlns:o="urn:schemas-microsoft-com:office:office" xmlns:v="urn:schemas-microsoft-com:vml" xmlns:pvml="urn:schemas-microsoft-com:office:powerpoint" xmlns:com="http://schemas.openxmlformats.org/drawingml/2006/compatibility" xmlns:p15="http://schemas.microsoft.com/office/powerpoint/2012/main" xmlns:ahyp="http://schemas.microsoft.com/office/drawing/2018/hyperlinkcolor">
+    <mc:Fallback xmlns:ahyp="http://schemas.microsoft.com/office/drawing/2018/hyperlinkcolor" xmlns:p15="http://schemas.microsoft.com/office/powerpoint/2012/main" xmlns:com="http://schemas.openxmlformats.org/drawingml/2006/compatibility" xmlns:pvml="urn:schemas-microsoft-com:office:powerpoint" xmlns:v="urn:schemas-microsoft-com:vml" xmlns:o="urn:schemas-microsoft-com:office:office" xmlns:dgm="http://schemas.openxmlformats.org/drawingml/2006/diagram" xmlns:c="http://schemas.openxmlformats.org/drawingml/2006/chart" xmlns:mv="urn:schemas-microsoft-com:mac:vml" xmlns="">
       <p:transition spd="slow">
         <p:fade/>
       </p:transition>
@@ -22661,7 +22661,7 @@
         <p:fade/>
       </p:transition>
     </mc:Choice>
-    <mc:Fallback xmlns="" xmlns:mv="urn:schemas-microsoft-com:mac:vml" xmlns:c="http://schemas.openxmlformats.org/drawingml/2006/chart" xmlns:dgm="http://schemas.openxmlformats.org/drawingml/2006/diagram" xmlns:o="urn:schemas-microsoft-com:office:office" xmlns:v="urn:schemas-microsoft-com:vml" xmlns:pvml="urn:schemas-microsoft-com:office:powerpoint" xmlns:com="http://schemas.openxmlformats.org/drawingml/2006/compatibility" xmlns:p15="http://schemas.microsoft.com/office/powerpoint/2012/main" xmlns:ahyp="http://schemas.microsoft.com/office/drawing/2018/hyperlinkcolor">
+    <mc:Fallback xmlns:ahyp="http://schemas.microsoft.com/office/drawing/2018/hyperlinkcolor" xmlns:p15="http://schemas.microsoft.com/office/powerpoint/2012/main" xmlns:com="http://schemas.openxmlformats.org/drawingml/2006/compatibility" xmlns:pvml="urn:schemas-microsoft-com:office:powerpoint" xmlns:v="urn:schemas-microsoft-com:vml" xmlns:o="urn:schemas-microsoft-com:office:office" xmlns:dgm="http://schemas.openxmlformats.org/drawingml/2006/diagram" xmlns:c="http://schemas.openxmlformats.org/drawingml/2006/chart" xmlns:mv="urn:schemas-microsoft-com:mac:vml" xmlns="">
       <p:transition spd="slow">
         <p:fade/>
       </p:transition>
@@ -23303,7 +23303,7 @@
               <a:buFont typeface="Courier New"/>
               <a:buNone/>
             </a:pPr>
-            <a:endParaRPr sz="2400" b="0" i="0" u="none" strike="noStrike" cap="none">
+            <a:endParaRPr sz="2400" b="0" i="0" u="sng" strike="noStrike" cap="none" dirty="0">
               <a:solidFill>
                 <a:schemeClr val="lt1"/>
               </a:solidFill>
@@ -23422,6 +23422,36 @@
           </a:p>
         </p:txBody>
       </p:sp>
+      <p:pic>
+        <p:nvPicPr>
+          <p:cNvPr id="13" name="Imagem 12">
+            <a:extLst>
+              <a:ext uri="{FF2B5EF4-FFF2-40B4-BE49-F238E27FC236}">
+                <a16:creationId xmlns:a16="http://schemas.microsoft.com/office/drawing/2014/main" id="{869FE389-4A58-49C3-8D88-CEAADE0E4788}"/>
+              </a:ext>
+            </a:extLst>
+          </p:cNvPr>
+          <p:cNvPicPr>
+            <a:picLocks noChangeAspect="1"/>
+          </p:cNvPicPr>
+          <p:nvPr/>
+        </p:nvPicPr>
+        <p:blipFill>
+          <a:blip r:embed="rId5"/>
+          <a:stretch>
+            <a:fillRect/>
+          </a:stretch>
+        </p:blipFill>
+        <p:spPr>
+          <a:xfrm>
+            <a:off x="7875658" y="3552725"/>
+            <a:ext cx="1098017" cy="1098017"/>
+          </a:xfrm>
+          <a:prstGeom prst="rect">
+            <a:avLst/>
+          </a:prstGeom>
+        </p:spPr>
+      </p:pic>
     </p:spTree>
   </p:cSld>
   <p:clrMapOvr>
@@ -23433,7 +23463,7 @@
         <p:fade/>
       </p:transition>
     </mc:Choice>
-    <mc:Fallback xmlns="" xmlns:mv="urn:schemas-microsoft-com:mac:vml" xmlns:c="http://schemas.openxmlformats.org/drawingml/2006/chart" xmlns:dgm="http://schemas.openxmlformats.org/drawingml/2006/diagram" xmlns:o="urn:schemas-microsoft-com:office:office" xmlns:v="urn:schemas-microsoft-com:vml" xmlns:pvml="urn:schemas-microsoft-com:office:powerpoint" xmlns:com="http://schemas.openxmlformats.org/drawingml/2006/compatibility" xmlns:p15="http://schemas.microsoft.com/office/powerpoint/2012/main" xmlns:ahyp="http://schemas.microsoft.com/office/drawing/2018/hyperlinkcolor">
+    <mc:Fallback xmlns:ahyp="http://schemas.microsoft.com/office/drawing/2018/hyperlinkcolor" xmlns:p15="http://schemas.microsoft.com/office/powerpoint/2012/main" xmlns:com="http://schemas.openxmlformats.org/drawingml/2006/compatibility" xmlns:pvml="urn:schemas-microsoft-com:office:powerpoint" xmlns:v="urn:schemas-microsoft-com:vml" xmlns:o="urn:schemas-microsoft-com:office:office" xmlns:dgm="http://schemas.openxmlformats.org/drawingml/2006/diagram" xmlns:c="http://schemas.openxmlformats.org/drawingml/2006/chart" xmlns:mv="urn:schemas-microsoft-com:mac:vml" xmlns="">
       <p:transition spd="slow">
         <p:fade/>
       </p:transition>
@@ -24214,7 +24244,7 @@
         <p:fade/>
       </p:transition>
     </mc:Choice>
-    <mc:Fallback xmlns:ahyp="http://schemas.microsoft.com/office/drawing/2018/hyperlinkcolor" xmlns:p15="http://schemas.microsoft.com/office/powerpoint/2012/main" xmlns:com="http://schemas.openxmlformats.org/drawingml/2006/compatibility" xmlns:pvml="urn:schemas-microsoft-com:office:powerpoint" xmlns:v="urn:schemas-microsoft-com:vml" xmlns:o="urn:schemas-microsoft-com:office:office" xmlns:dgm="http://schemas.openxmlformats.org/drawingml/2006/diagram" xmlns:c="http://schemas.openxmlformats.org/drawingml/2006/chart" xmlns:mv="urn:schemas-microsoft-com:mac:vml" xmlns="">
+    <mc:Fallback xmlns="" xmlns:mv="urn:schemas-microsoft-com:mac:vml" xmlns:c="http://schemas.openxmlformats.org/drawingml/2006/chart" xmlns:dgm="http://schemas.openxmlformats.org/drawingml/2006/diagram" xmlns:o="urn:schemas-microsoft-com:office:office" xmlns:v="urn:schemas-microsoft-com:vml" xmlns:pvml="urn:schemas-microsoft-com:office:powerpoint" xmlns:com="http://schemas.openxmlformats.org/drawingml/2006/compatibility" xmlns:p15="http://schemas.microsoft.com/office/powerpoint/2012/main" xmlns:ahyp="http://schemas.microsoft.com/office/drawing/2018/hyperlinkcolor">
       <p:transition spd="slow">
         <p:fade/>
       </p:transition>
@@ -24554,7 +24584,7 @@
         <p:fade/>
       </p:transition>
     </mc:Choice>
-    <mc:Fallback xmlns="" xmlns:mv="urn:schemas-microsoft-com:mac:vml" xmlns:c="http://schemas.openxmlformats.org/drawingml/2006/chart" xmlns:dgm="http://schemas.openxmlformats.org/drawingml/2006/diagram" xmlns:o="urn:schemas-microsoft-com:office:office" xmlns:v="urn:schemas-microsoft-com:vml" xmlns:pvml="urn:schemas-microsoft-com:office:powerpoint" xmlns:com="http://schemas.openxmlformats.org/drawingml/2006/compatibility" xmlns:p15="http://schemas.microsoft.com/office/powerpoint/2012/main" xmlns:ahyp="http://schemas.microsoft.com/office/drawing/2018/hyperlinkcolor">
+    <mc:Fallback xmlns:ahyp="http://schemas.microsoft.com/office/drawing/2018/hyperlinkcolor" xmlns:p15="http://schemas.microsoft.com/office/powerpoint/2012/main" xmlns:com="http://schemas.openxmlformats.org/drawingml/2006/compatibility" xmlns:pvml="urn:schemas-microsoft-com:office:powerpoint" xmlns:v="urn:schemas-microsoft-com:vml" xmlns:o="urn:schemas-microsoft-com:office:office" xmlns:dgm="http://schemas.openxmlformats.org/drawingml/2006/diagram" xmlns:c="http://schemas.openxmlformats.org/drawingml/2006/chart" xmlns:mv="urn:schemas-microsoft-com:mac:vml" xmlns="">
       <p:transition spd="slow">
         <p:fade/>
       </p:transition>
@@ -24844,7 +24874,7 @@
         <p:fade/>
       </p:transition>
     </mc:Choice>
-    <mc:Fallback xmlns="" xmlns:mv="urn:schemas-microsoft-com:mac:vml" xmlns:c="http://schemas.openxmlformats.org/drawingml/2006/chart" xmlns:dgm="http://schemas.openxmlformats.org/drawingml/2006/diagram" xmlns:o="urn:schemas-microsoft-com:office:office" xmlns:v="urn:schemas-microsoft-com:vml" xmlns:pvml="urn:schemas-microsoft-com:office:powerpoint" xmlns:com="http://schemas.openxmlformats.org/drawingml/2006/compatibility" xmlns:p15="http://schemas.microsoft.com/office/powerpoint/2012/main" xmlns:ahyp="http://schemas.microsoft.com/office/drawing/2018/hyperlinkcolor">
+    <mc:Fallback xmlns:ahyp="http://schemas.microsoft.com/office/drawing/2018/hyperlinkcolor" xmlns:p15="http://schemas.microsoft.com/office/powerpoint/2012/main" xmlns:com="http://schemas.openxmlformats.org/drawingml/2006/compatibility" xmlns:pvml="urn:schemas-microsoft-com:office:powerpoint" xmlns:v="urn:schemas-microsoft-com:vml" xmlns:o="urn:schemas-microsoft-com:office:office" xmlns:dgm="http://schemas.openxmlformats.org/drawingml/2006/diagram" xmlns:c="http://schemas.openxmlformats.org/drawingml/2006/chart" xmlns:mv="urn:schemas-microsoft-com:mac:vml" xmlns="">
       <p:transition spd="slow">
         <p:fade/>
       </p:transition>
@@ -25164,7 +25194,7 @@
         <p:fade/>
       </p:transition>
     </mc:Choice>
-    <mc:Fallback xmlns="" xmlns:mv="urn:schemas-microsoft-com:mac:vml" xmlns:c="http://schemas.openxmlformats.org/drawingml/2006/chart" xmlns:dgm="http://schemas.openxmlformats.org/drawingml/2006/diagram" xmlns:o="urn:schemas-microsoft-com:office:office" xmlns:v="urn:schemas-microsoft-com:vml" xmlns:pvml="urn:schemas-microsoft-com:office:powerpoint" xmlns:com="http://schemas.openxmlformats.org/drawingml/2006/compatibility" xmlns:p15="http://schemas.microsoft.com/office/powerpoint/2012/main" xmlns:ahyp="http://schemas.microsoft.com/office/drawing/2018/hyperlinkcolor">
+    <mc:Fallback xmlns:ahyp="http://schemas.microsoft.com/office/drawing/2018/hyperlinkcolor" xmlns:p15="http://schemas.microsoft.com/office/powerpoint/2012/main" xmlns:com="http://schemas.openxmlformats.org/drawingml/2006/compatibility" xmlns:pvml="urn:schemas-microsoft-com:office:powerpoint" xmlns:v="urn:schemas-microsoft-com:vml" xmlns:o="urn:schemas-microsoft-com:office:office" xmlns:dgm="http://schemas.openxmlformats.org/drawingml/2006/diagram" xmlns:c="http://schemas.openxmlformats.org/drawingml/2006/chart" xmlns:mv="urn:schemas-microsoft-com:mac:vml" xmlns="">
       <p:transition spd="slow">
         <p:fade/>
       </p:transition>
@@ -25572,7 +25602,7 @@
         <p:fade/>
       </p:transition>
     </mc:Choice>
-    <mc:Fallback xmlns="" xmlns:mv="urn:schemas-microsoft-com:mac:vml" xmlns:c="http://schemas.openxmlformats.org/drawingml/2006/chart" xmlns:dgm="http://schemas.openxmlformats.org/drawingml/2006/diagram" xmlns:o="urn:schemas-microsoft-com:office:office" xmlns:v="urn:schemas-microsoft-com:vml" xmlns:pvml="urn:schemas-microsoft-com:office:powerpoint" xmlns:com="http://schemas.openxmlformats.org/drawingml/2006/compatibility" xmlns:p15="http://schemas.microsoft.com/office/powerpoint/2012/main" xmlns:ahyp="http://schemas.microsoft.com/office/drawing/2018/hyperlinkcolor">
+    <mc:Fallback xmlns:ahyp="http://schemas.microsoft.com/office/drawing/2018/hyperlinkcolor" xmlns:p15="http://schemas.microsoft.com/office/powerpoint/2012/main" xmlns:com="http://schemas.openxmlformats.org/drawingml/2006/compatibility" xmlns:pvml="urn:schemas-microsoft-com:office:powerpoint" xmlns:v="urn:schemas-microsoft-com:vml" xmlns:o="urn:schemas-microsoft-com:office:office" xmlns:dgm="http://schemas.openxmlformats.org/drawingml/2006/diagram" xmlns:c="http://schemas.openxmlformats.org/drawingml/2006/chart" xmlns:mv="urn:schemas-microsoft-com:mac:vml" xmlns="">
       <p:transition spd="slow">
         <p:fade/>
       </p:transition>
@@ -26000,7 +26030,7 @@
         <p:fade/>
       </p:transition>
     </mc:Choice>
-    <mc:Fallback xmlns="" xmlns:mv="urn:schemas-microsoft-com:mac:vml" xmlns:c="http://schemas.openxmlformats.org/drawingml/2006/chart" xmlns:dgm="http://schemas.openxmlformats.org/drawingml/2006/diagram" xmlns:o="urn:schemas-microsoft-com:office:office" xmlns:v="urn:schemas-microsoft-com:vml" xmlns:pvml="urn:schemas-microsoft-com:office:powerpoint" xmlns:com="http://schemas.openxmlformats.org/drawingml/2006/compatibility" xmlns:p15="http://schemas.microsoft.com/office/powerpoint/2012/main" xmlns:ahyp="http://schemas.microsoft.com/office/drawing/2018/hyperlinkcolor">
+    <mc:Fallback xmlns:ahyp="http://schemas.microsoft.com/office/drawing/2018/hyperlinkcolor" xmlns:p15="http://schemas.microsoft.com/office/powerpoint/2012/main" xmlns:com="http://schemas.openxmlformats.org/drawingml/2006/compatibility" xmlns:pvml="urn:schemas-microsoft-com:office:powerpoint" xmlns:v="urn:schemas-microsoft-com:vml" xmlns:o="urn:schemas-microsoft-com:office:office" xmlns:dgm="http://schemas.openxmlformats.org/drawingml/2006/diagram" xmlns:c="http://schemas.openxmlformats.org/drawingml/2006/chart" xmlns:mv="urn:schemas-microsoft-com:mac:vml" xmlns="">
       <p:transition spd="slow">
         <p:fade/>
       </p:transition>
@@ -26375,7 +26405,7 @@
         <p:fade/>
       </p:transition>
     </mc:Choice>
-    <mc:Fallback xmlns="" xmlns:mv="urn:schemas-microsoft-com:mac:vml" xmlns:c="http://schemas.openxmlformats.org/drawingml/2006/chart" xmlns:dgm="http://schemas.openxmlformats.org/drawingml/2006/diagram" xmlns:o="urn:schemas-microsoft-com:office:office" xmlns:v="urn:schemas-microsoft-com:vml" xmlns:pvml="urn:schemas-microsoft-com:office:powerpoint" xmlns:com="http://schemas.openxmlformats.org/drawingml/2006/compatibility" xmlns:p15="http://schemas.microsoft.com/office/powerpoint/2012/main" xmlns:ahyp="http://schemas.microsoft.com/office/drawing/2018/hyperlinkcolor">
+    <mc:Fallback xmlns:ahyp="http://schemas.microsoft.com/office/drawing/2018/hyperlinkcolor" xmlns:p15="http://schemas.microsoft.com/office/powerpoint/2012/main" xmlns:com="http://schemas.openxmlformats.org/drawingml/2006/compatibility" xmlns:pvml="urn:schemas-microsoft-com:office:powerpoint" xmlns:v="urn:schemas-microsoft-com:vml" xmlns:o="urn:schemas-microsoft-com:office:office" xmlns:dgm="http://schemas.openxmlformats.org/drawingml/2006/diagram" xmlns:c="http://schemas.openxmlformats.org/drawingml/2006/chart" xmlns:mv="urn:schemas-microsoft-com:mac:vml" xmlns="">
       <p:transition spd="slow">
         <p:fade/>
       </p:transition>
@@ -26750,7 +26780,7 @@
         <p:fade/>
       </p:transition>
     </mc:Choice>
-    <mc:Fallback xmlns="" xmlns:mv="urn:schemas-microsoft-com:mac:vml" xmlns:c="http://schemas.openxmlformats.org/drawingml/2006/chart" xmlns:dgm="http://schemas.openxmlformats.org/drawingml/2006/diagram" xmlns:o="urn:schemas-microsoft-com:office:office" xmlns:v="urn:schemas-microsoft-com:vml" xmlns:pvml="urn:schemas-microsoft-com:office:powerpoint" xmlns:com="http://schemas.openxmlformats.org/drawingml/2006/compatibility" xmlns:p15="http://schemas.microsoft.com/office/powerpoint/2012/main" xmlns:ahyp="http://schemas.microsoft.com/office/drawing/2018/hyperlinkcolor">
+    <mc:Fallback xmlns:ahyp="http://schemas.microsoft.com/office/drawing/2018/hyperlinkcolor" xmlns:p15="http://schemas.microsoft.com/office/powerpoint/2012/main" xmlns:com="http://schemas.openxmlformats.org/drawingml/2006/compatibility" xmlns:pvml="urn:schemas-microsoft-com:office:powerpoint" xmlns:v="urn:schemas-microsoft-com:vml" xmlns:o="urn:schemas-microsoft-com:office:office" xmlns:dgm="http://schemas.openxmlformats.org/drawingml/2006/diagram" xmlns:c="http://schemas.openxmlformats.org/drawingml/2006/chart" xmlns:mv="urn:schemas-microsoft-com:mac:vml" xmlns="">
       <p:transition spd="slow">
         <p:fade/>
       </p:transition>
